--- a/RaspberryPi/tkinter_img/ecoarium_imgset.pptx
+++ b/RaspberryPi/tkinter_img/ecoarium_imgset.pptx
@@ -269,7 +269,7 @@
           <a:p>
             <a:fld id="{9AEC65EF-2E71-4BA5-BDA0-FFC2A60F4F8C}" type="datetimeFigureOut">
               <a:rPr lang="ko-KR" altLang="en-US" smtClean="0"/>
-              <a:t>2024-05-28</a:t>
+              <a:t>2024-06-01</a:t>
             </a:fld>
             <a:endParaRPr lang="ko-KR" altLang="en-US"/>
           </a:p>
@@ -467,7 +467,7 @@
           <a:p>
             <a:fld id="{9AEC65EF-2E71-4BA5-BDA0-FFC2A60F4F8C}" type="datetimeFigureOut">
               <a:rPr lang="ko-KR" altLang="en-US" smtClean="0"/>
-              <a:t>2024-05-28</a:t>
+              <a:t>2024-06-01</a:t>
             </a:fld>
             <a:endParaRPr lang="ko-KR" altLang="en-US"/>
           </a:p>
@@ -675,7 +675,7 @@
           <a:p>
             <a:fld id="{9AEC65EF-2E71-4BA5-BDA0-FFC2A60F4F8C}" type="datetimeFigureOut">
               <a:rPr lang="ko-KR" altLang="en-US" smtClean="0"/>
-              <a:t>2024-05-28</a:t>
+              <a:t>2024-06-01</a:t>
             </a:fld>
             <a:endParaRPr lang="ko-KR" altLang="en-US"/>
           </a:p>
@@ -873,7 +873,7 @@
           <a:p>
             <a:fld id="{9AEC65EF-2E71-4BA5-BDA0-FFC2A60F4F8C}" type="datetimeFigureOut">
               <a:rPr lang="ko-KR" altLang="en-US" smtClean="0"/>
-              <a:t>2024-05-28</a:t>
+              <a:t>2024-06-01</a:t>
             </a:fld>
             <a:endParaRPr lang="ko-KR" altLang="en-US"/>
           </a:p>
@@ -1148,7 +1148,7 @@
           <a:p>
             <a:fld id="{9AEC65EF-2E71-4BA5-BDA0-FFC2A60F4F8C}" type="datetimeFigureOut">
               <a:rPr lang="ko-KR" altLang="en-US" smtClean="0"/>
-              <a:t>2024-05-28</a:t>
+              <a:t>2024-06-01</a:t>
             </a:fld>
             <a:endParaRPr lang="ko-KR" altLang="en-US"/>
           </a:p>
@@ -1413,7 +1413,7 @@
           <a:p>
             <a:fld id="{9AEC65EF-2E71-4BA5-BDA0-FFC2A60F4F8C}" type="datetimeFigureOut">
               <a:rPr lang="ko-KR" altLang="en-US" smtClean="0"/>
-              <a:t>2024-05-28</a:t>
+              <a:t>2024-06-01</a:t>
             </a:fld>
             <a:endParaRPr lang="ko-KR" altLang="en-US"/>
           </a:p>
@@ -1825,7 +1825,7 @@
           <a:p>
             <a:fld id="{9AEC65EF-2E71-4BA5-BDA0-FFC2A60F4F8C}" type="datetimeFigureOut">
               <a:rPr lang="ko-KR" altLang="en-US" smtClean="0"/>
-              <a:t>2024-05-28</a:t>
+              <a:t>2024-06-01</a:t>
             </a:fld>
             <a:endParaRPr lang="ko-KR" altLang="en-US"/>
           </a:p>
@@ -1966,7 +1966,7 @@
           <a:p>
             <a:fld id="{9AEC65EF-2E71-4BA5-BDA0-FFC2A60F4F8C}" type="datetimeFigureOut">
               <a:rPr lang="ko-KR" altLang="en-US" smtClean="0"/>
-              <a:t>2024-05-28</a:t>
+              <a:t>2024-06-01</a:t>
             </a:fld>
             <a:endParaRPr lang="ko-KR" altLang="en-US"/>
           </a:p>
@@ -2079,7 +2079,7 @@
           <a:p>
             <a:fld id="{9AEC65EF-2E71-4BA5-BDA0-FFC2A60F4F8C}" type="datetimeFigureOut">
               <a:rPr lang="ko-KR" altLang="en-US" smtClean="0"/>
-              <a:t>2024-05-28</a:t>
+              <a:t>2024-06-01</a:t>
             </a:fld>
             <a:endParaRPr lang="ko-KR" altLang="en-US"/>
           </a:p>
@@ -2390,7 +2390,7 @@
           <a:p>
             <a:fld id="{9AEC65EF-2E71-4BA5-BDA0-FFC2A60F4F8C}" type="datetimeFigureOut">
               <a:rPr lang="ko-KR" altLang="en-US" smtClean="0"/>
-              <a:t>2024-05-28</a:t>
+              <a:t>2024-06-01</a:t>
             </a:fld>
             <a:endParaRPr lang="ko-KR" altLang="en-US"/>
           </a:p>
@@ -2678,7 +2678,7 @@
           <a:p>
             <a:fld id="{9AEC65EF-2E71-4BA5-BDA0-FFC2A60F4F8C}" type="datetimeFigureOut">
               <a:rPr lang="ko-KR" altLang="en-US" smtClean="0"/>
-              <a:t>2024-05-28</a:t>
+              <a:t>2024-06-01</a:t>
             </a:fld>
             <a:endParaRPr lang="ko-KR" altLang="en-US"/>
           </a:p>
@@ -2919,7 +2919,7 @@
           <a:p>
             <a:fld id="{9AEC65EF-2E71-4BA5-BDA0-FFC2A60F4F8C}" type="datetimeFigureOut">
               <a:rPr lang="ko-KR" altLang="en-US" smtClean="0"/>
-              <a:t>2024-05-28</a:t>
+              <a:t>2024-06-01</a:t>
             </a:fld>
             <a:endParaRPr lang="ko-KR" altLang="en-US"/>
           </a:p>
@@ -5616,64 +5616,7 @@
                   <a:ea typeface="나눔스퀘어 네오 ExtraBold" panose="00000900000000000000" pitchFamily="2" charset="-127"/>
                   <a:cs typeface="+mn-cs"/>
                 </a:rPr>
-                <a:t>github.com/</a:t>
-              </a:r>
-              <a:r>
-                <a:rPr kumimoji="0" lang="en-US" altLang="ko-KR" sz="1200" b="0" i="1" u="none" strike="noStrike" kern="1200" cap="none" spc="0" normalizeH="0" baseline="0" noProof="0" dirty="0" err="1">
-                  <a:ln>
-                    <a:noFill/>
-                  </a:ln>
-                  <a:solidFill>
-                    <a:schemeClr val="bg2">
-                      <a:lumMod val="50000"/>
-                    </a:schemeClr>
-                  </a:solidFill>
-                  <a:effectLst/>
-                  <a:uLnTx/>
-                  <a:uFillTx/>
-                  <a:latin typeface="나눔스퀘어 네오 ExtraBold" panose="00000900000000000000" pitchFamily="2" charset="-127"/>
-                  <a:ea typeface="나눔스퀘어 네오 ExtraBold" panose="00000900000000000000" pitchFamily="2" charset="-127"/>
-                  <a:cs typeface="+mn-cs"/>
-                </a:rPr>
-                <a:t>znantothelimit</a:t>
-              </a:r>
-              <a:r>
-                <a:rPr kumimoji="0" lang="en-US" altLang="ko-KR" sz="1200" b="0" i="1" u="none" strike="noStrike" kern="1200" cap="none" spc="0" normalizeH="0" baseline="0" noProof="0" dirty="0">
-                  <a:ln>
-                    <a:noFill/>
-                  </a:ln>
-                  <a:solidFill>
-                    <a:schemeClr val="bg2">
-                      <a:lumMod val="50000"/>
-                    </a:schemeClr>
-                  </a:solidFill>
-                  <a:effectLst/>
-                  <a:uLnTx/>
-                  <a:uFillTx/>
-                  <a:latin typeface="나눔스퀘어 네오 ExtraBold" panose="00000900000000000000" pitchFamily="2" charset="-127"/>
-                  <a:ea typeface="나눔스퀘어 네오 ExtraBold" panose="00000900000000000000" pitchFamily="2" charset="-127"/>
-                  <a:cs typeface="+mn-cs"/>
-                </a:rPr>
-                <a:t>/</a:t>
-              </a:r>
-              <a:r>
-                <a:rPr kumimoji="0" lang="en-US" altLang="ko-KR" sz="1200" b="0" i="1" u="none" strike="noStrike" kern="1200" cap="none" spc="0" normalizeH="0" baseline="0" noProof="0" dirty="0" err="1">
-                  <a:ln>
-                    <a:noFill/>
-                  </a:ln>
-                  <a:solidFill>
-                    <a:schemeClr val="bg2">
-                      <a:lumMod val="50000"/>
-                    </a:schemeClr>
-                  </a:solidFill>
-                  <a:effectLst/>
-                  <a:uLnTx/>
-                  <a:uFillTx/>
-                  <a:latin typeface="나눔스퀘어 네오 ExtraBold" panose="00000900000000000000" pitchFamily="2" charset="-127"/>
-                  <a:ea typeface="나눔스퀘어 네오 ExtraBold" panose="00000900000000000000" pitchFamily="2" charset="-127"/>
-                  <a:cs typeface="+mn-cs"/>
-                </a:rPr>
-                <a:t>Ecoarium.git</a:t>
+                <a:t>github.com/mixgolem/SKU-Ecoarium.git</a:t>
               </a:r>
               <a:endParaRPr kumimoji="0" lang="en-US" altLang="ko-KR" sz="2000" b="0" i="1" u="none" strike="noStrike" kern="1200" cap="none" spc="0" normalizeH="0" baseline="0" noProof="0" dirty="0">
                 <a:ln>
